--- a/photo-source/database/冷热数据迁移.pptx
+++ b/photo-source/database/冷热数据迁移.pptx
@@ -4375,8 +4375,8 @@
         </p:nvSpPr>
         <p:spPr>
           <a:xfrm>
-            <a:off x="5039995" y="2794635"/>
-            <a:ext cx="564515" cy="1229360"/>
+            <a:off x="5039995" y="2815590"/>
+            <a:ext cx="564515" cy="1893570"/>
           </a:xfrm>
           <a:prstGeom prst="rect">
             <a:avLst/>
@@ -4461,7 +4461,7 @@
         </p:nvSpPr>
         <p:spPr>
           <a:xfrm>
-            <a:off x="4850765" y="4071620"/>
+            <a:off x="4826000" y="4725035"/>
             <a:ext cx="992505" cy="275590"/>
           </a:xfrm>
           <a:prstGeom prst="rect">
@@ -4503,8 +4503,8 @@
         </p:nvSpPr>
         <p:spPr>
           <a:xfrm>
-            <a:off x="6707505" y="1324610"/>
-            <a:ext cx="1976120" cy="275590"/>
+            <a:off x="6675120" y="1162685"/>
+            <a:ext cx="1976120" cy="460375"/>
           </a:xfrm>
           <a:prstGeom prst="rect">
             <a:avLst/>
@@ -4518,7 +4518,11 @@
           <a:p>
             <a:r>
               <a:rPr lang="zh-CN" altLang="en-US" sz="1200"/>
-              <a:t>新的热表与旧表表名互换</a:t>
+              <a:t>新的热表与旧表表名互换，这样应用不用修改</a:t>
+            </a:r>
+            <a:r>
+              <a:rPr lang="zh-CN" altLang="en-US" sz="1200"/>
+              <a:t>发布</a:t>
             </a:r>
             <a:endParaRPr lang="zh-CN" altLang="en-US" sz="1200"/>
           </a:p>
@@ -4654,7 +4658,7 @@
         </p:nvSpPr>
         <p:spPr>
           <a:xfrm>
-            <a:off x="7318375" y="3180715"/>
+            <a:off x="7318375" y="3533140"/>
             <a:ext cx="689610" cy="456565"/>
           </a:xfrm>
           <a:prstGeom prst="rect">
@@ -4703,7 +4707,7 @@
         </p:nvSpPr>
         <p:spPr>
           <a:xfrm>
-            <a:off x="7318375" y="4039235"/>
+            <a:off x="7318375" y="4391660"/>
             <a:ext cx="689610" cy="456565"/>
           </a:xfrm>
           <a:prstGeom prst="rect">
@@ -4740,18 +4744,116 @@
           </a:p>
         </p:txBody>
       </p:sp>
+      <p:sp>
+        <p:nvSpPr>
+          <p:cNvPr id="39" name="矩形 38"/>
+          <p:cNvSpPr/>
+          <p:nvPr>
+            <p:custDataLst>
+              <p:tags r:id="rId9"/>
+            </p:custDataLst>
+          </p:nvPr>
+        </p:nvSpPr>
+        <p:spPr>
+          <a:xfrm>
+            <a:off x="9721850" y="3533140"/>
+            <a:ext cx="1332865" cy="456565"/>
+          </a:xfrm>
+          <a:prstGeom prst="rect">
+            <a:avLst/>
+          </a:prstGeom>
+        </p:spPr>
+        <p:style>
+          <a:lnRef idx="2">
+            <a:schemeClr val="accent5"/>
+          </a:lnRef>
+          <a:fillRef idx="1">
+            <a:schemeClr val="lt1"/>
+          </a:fillRef>
+          <a:effectRef idx="0">
+            <a:schemeClr val="accent5"/>
+          </a:effectRef>
+          <a:fontRef idx="minor">
+            <a:schemeClr val="dk1"/>
+          </a:fontRef>
+        </p:style>
+        <p:txBody>
+          <a:bodyPr rtlCol="0" anchor="ctr"/>
+          <a:p>
+            <a:pPr algn="ctr"/>
+            <a:r>
+              <a:rPr lang="zh-CN" altLang="en-US" sz="1000"/>
+              <a:t>拆分后的冷数据表</a:t>
+            </a:r>
+            <a:r>
+              <a:rPr lang="en-US" altLang="zh-CN" sz="1000"/>
+              <a:t>1</a:t>
+            </a:r>
+            <a:endParaRPr lang="en-US" altLang="zh-CN" sz="1000"/>
+          </a:p>
+        </p:txBody>
+      </p:sp>
+      <p:sp>
+        <p:nvSpPr>
+          <p:cNvPr id="45" name="矩形 44"/>
+          <p:cNvSpPr/>
+          <p:nvPr>
+            <p:custDataLst>
+              <p:tags r:id="rId10"/>
+            </p:custDataLst>
+          </p:nvPr>
+        </p:nvSpPr>
+        <p:spPr>
+          <a:xfrm>
+            <a:off x="9721850" y="4391660"/>
+            <a:ext cx="1337945" cy="456565"/>
+          </a:xfrm>
+          <a:prstGeom prst="rect">
+            <a:avLst/>
+          </a:prstGeom>
+        </p:spPr>
+        <p:style>
+          <a:lnRef idx="2">
+            <a:schemeClr val="accent5"/>
+          </a:lnRef>
+          <a:fillRef idx="1">
+            <a:schemeClr val="lt1"/>
+          </a:fillRef>
+          <a:effectRef idx="0">
+            <a:schemeClr val="accent5"/>
+          </a:effectRef>
+          <a:fontRef idx="minor">
+            <a:schemeClr val="dk1"/>
+          </a:fontRef>
+        </p:style>
+        <p:txBody>
+          <a:bodyPr rtlCol="0" anchor="ctr"/>
+          <a:p>
+            <a:pPr algn="ctr"/>
+            <a:r>
+              <a:rPr lang="zh-CN" altLang="en-US" sz="1000"/>
+              <a:t>拆分后的冷数据表</a:t>
+            </a:r>
+            <a:r>
+              <a:rPr lang="en-US" altLang="zh-CN" sz="1000"/>
+              <a:t>2</a:t>
+            </a:r>
+            <a:endParaRPr lang="en-US" altLang="zh-CN" sz="1000"/>
+          </a:p>
+        </p:txBody>
+      </p:sp>
       <p:cxnSp>
         <p:nvCxnSpPr>
-          <p:cNvPr id="38" name="直接箭头连接符 37"/>
+          <p:cNvPr id="47" name="直接箭头连接符 46"/>
           <p:cNvCxnSpPr>
-            <a:stCxn id="18" idx="3"/>
-            <a:endCxn id="36" idx="1"/>
+            <a:stCxn id="36" idx="3"/>
+            <a:endCxn id="39" idx="1"/>
           </p:cNvCxnSpPr>
           <p:nvPr/>
         </p:nvCxnSpPr>
         <p:spPr>
           <a:xfrm>
-            <a:off x="5604510" y="3409315"/>
+            <a:off x="8007985" y="3761740"/>
             <a:ext cx="1713865" cy="0"/>
           </a:xfrm>
           <a:prstGeom prst="straightConnector1">
@@ -4778,140 +4880,6 @@
       </p:cxnSp>
       <p:sp>
         <p:nvSpPr>
-          <p:cNvPr id="39" name="矩形 38"/>
-          <p:cNvSpPr/>
-          <p:nvPr>
-            <p:custDataLst>
-              <p:tags r:id="rId9"/>
-            </p:custDataLst>
-          </p:nvPr>
-        </p:nvSpPr>
-        <p:spPr>
-          <a:xfrm>
-            <a:off x="9721850" y="3180715"/>
-            <a:ext cx="1332865" cy="456565"/>
-          </a:xfrm>
-          <a:prstGeom prst="rect">
-            <a:avLst/>
-          </a:prstGeom>
-        </p:spPr>
-        <p:style>
-          <a:lnRef idx="2">
-            <a:schemeClr val="accent5"/>
-          </a:lnRef>
-          <a:fillRef idx="1">
-            <a:schemeClr val="lt1"/>
-          </a:fillRef>
-          <a:effectRef idx="0">
-            <a:schemeClr val="accent5"/>
-          </a:effectRef>
-          <a:fontRef idx="minor">
-            <a:schemeClr val="dk1"/>
-          </a:fontRef>
-        </p:style>
-        <p:txBody>
-          <a:bodyPr rtlCol="0" anchor="ctr"/>
-          <a:p>
-            <a:pPr algn="ctr"/>
-            <a:r>
-              <a:rPr lang="zh-CN" altLang="en-US" sz="1000"/>
-              <a:t>拆分后的冷数据表</a:t>
-            </a:r>
-            <a:r>
-              <a:rPr lang="en-US" altLang="zh-CN" sz="1000"/>
-              <a:t>1</a:t>
-            </a:r>
-            <a:endParaRPr lang="en-US" altLang="zh-CN" sz="1000"/>
-          </a:p>
-        </p:txBody>
-      </p:sp>
-      <p:sp>
-        <p:nvSpPr>
-          <p:cNvPr id="45" name="矩形 44"/>
-          <p:cNvSpPr/>
-          <p:nvPr>
-            <p:custDataLst>
-              <p:tags r:id="rId10"/>
-            </p:custDataLst>
-          </p:nvPr>
-        </p:nvSpPr>
-        <p:spPr>
-          <a:xfrm>
-            <a:off x="9721850" y="4039235"/>
-            <a:ext cx="1337945" cy="456565"/>
-          </a:xfrm>
-          <a:prstGeom prst="rect">
-            <a:avLst/>
-          </a:prstGeom>
-        </p:spPr>
-        <p:style>
-          <a:lnRef idx="2">
-            <a:schemeClr val="accent5"/>
-          </a:lnRef>
-          <a:fillRef idx="1">
-            <a:schemeClr val="lt1"/>
-          </a:fillRef>
-          <a:effectRef idx="0">
-            <a:schemeClr val="accent5"/>
-          </a:effectRef>
-          <a:fontRef idx="minor">
-            <a:schemeClr val="dk1"/>
-          </a:fontRef>
-        </p:style>
-        <p:txBody>
-          <a:bodyPr rtlCol="0" anchor="ctr"/>
-          <a:p>
-            <a:pPr algn="ctr"/>
-            <a:r>
-              <a:rPr lang="zh-CN" altLang="en-US" sz="1000"/>
-              <a:t>拆分后的冷数据表</a:t>
-            </a:r>
-            <a:r>
-              <a:rPr lang="en-US" altLang="zh-CN" sz="1000"/>
-              <a:t>2</a:t>
-            </a:r>
-            <a:endParaRPr lang="en-US" altLang="zh-CN" sz="1000"/>
-          </a:p>
-        </p:txBody>
-      </p:sp>
-      <p:cxnSp>
-        <p:nvCxnSpPr>
-          <p:cNvPr id="47" name="直接箭头连接符 46"/>
-          <p:cNvCxnSpPr>
-            <a:stCxn id="36" idx="3"/>
-            <a:endCxn id="39" idx="1"/>
-          </p:cNvCxnSpPr>
-          <p:nvPr/>
-        </p:nvCxnSpPr>
-        <p:spPr>
-          <a:xfrm>
-            <a:off x="8007985" y="3409315"/>
-            <a:ext cx="1713865" cy="0"/>
-          </a:xfrm>
-          <a:prstGeom prst="straightConnector1">
-            <a:avLst/>
-          </a:prstGeom>
-          <a:ln>
-            <a:tailEnd type="arrow"/>
-          </a:ln>
-        </p:spPr>
-        <p:style>
-          <a:lnRef idx="1">
-            <a:schemeClr val="accent1"/>
-          </a:lnRef>
-          <a:fillRef idx="0">
-            <a:schemeClr val="accent1"/>
-          </a:fillRef>
-          <a:effectRef idx="0">
-            <a:schemeClr val="accent1"/>
-          </a:effectRef>
-          <a:fontRef idx="minor">
-            <a:schemeClr val="tx1"/>
-          </a:fontRef>
-        </p:style>
-      </p:cxnSp>
-      <p:sp>
-        <p:nvSpPr>
           <p:cNvPr id="48" name="文本框 47"/>
           <p:cNvSpPr txBox="1"/>
           <p:nvPr>
@@ -4922,7 +4890,7 @@
         </p:nvSpPr>
         <p:spPr>
           <a:xfrm>
-            <a:off x="5874385" y="2948940"/>
+            <a:off x="5811520" y="3351530"/>
             <a:ext cx="1299210" cy="460375"/>
           </a:xfrm>
           <a:prstGeom prst="rect">
@@ -4963,7 +4931,7 @@
         </p:nvSpPr>
         <p:spPr>
           <a:xfrm>
-            <a:off x="8180070" y="3702685"/>
+            <a:off x="8180070" y="4055110"/>
             <a:ext cx="1440180" cy="271780"/>
           </a:xfrm>
           <a:prstGeom prst="rect">
@@ -4988,44 +4956,6 @@
           </a:p>
         </p:txBody>
       </p:sp>
-      <p:cxnSp>
-        <p:nvCxnSpPr>
-          <p:cNvPr id="55" name="肘形连接符 54"/>
-          <p:cNvCxnSpPr>
-            <a:stCxn id="18" idx="3"/>
-            <a:endCxn id="37" idx="1"/>
-          </p:cNvCxnSpPr>
-          <p:nvPr/>
-        </p:nvCxnSpPr>
-        <p:spPr>
-          <a:xfrm>
-            <a:off x="5604510" y="3409315"/>
-            <a:ext cx="1713865" cy="858520"/>
-          </a:xfrm>
-          <a:prstGeom prst="bentConnector3">
-            <a:avLst>
-              <a:gd name="adj1" fmla="val 50019"/>
-            </a:avLst>
-          </a:prstGeom>
-          <a:ln>
-            <a:tailEnd type="arrow"/>
-          </a:ln>
-        </p:spPr>
-        <p:style>
-          <a:lnRef idx="1">
-            <a:schemeClr val="accent1"/>
-          </a:lnRef>
-          <a:fillRef idx="0">
-            <a:schemeClr val="accent1"/>
-          </a:fillRef>
-          <a:effectRef idx="0">
-            <a:schemeClr val="accent1"/>
-          </a:effectRef>
-          <a:fontRef idx="minor">
-            <a:schemeClr val="tx1"/>
-          </a:fontRef>
-        </p:style>
-      </p:cxnSp>
       <p:cxnSp>
         <p:nvCxnSpPr>
           <p:cNvPr id="56" name="直接箭头连接符 55"/>
@@ -5037,7 +4967,7 @@
         </p:nvCxnSpPr>
         <p:spPr>
           <a:xfrm>
-            <a:off x="8007985" y="4267835"/>
+            <a:off x="8007985" y="4620260"/>
             <a:ext cx="1713865" cy="0"/>
           </a:xfrm>
           <a:prstGeom prst="straightConnector1">
@@ -5067,18 +4997,19 @@
           <p:cNvPr id="57" name="肘形连接符 56"/>
           <p:cNvCxnSpPr>
             <a:stCxn id="28" idx="0"/>
-            <a:endCxn id="19" idx="0"/>
+            <a:endCxn id="19" idx="1"/>
           </p:cNvCxnSpPr>
           <p:nvPr/>
         </p:nvCxnSpPr>
         <p:spPr>
           <a:xfrm rot="16200000" flipH="1" flipV="1">
-            <a:off x="7694295" y="-49530"/>
-            <a:ext cx="3175" cy="4744085"/>
-          </a:xfrm>
-          <a:prstGeom prst="bentConnector3">
+            <a:off x="7439025" y="-76835"/>
+            <a:ext cx="228600" cy="5026660"/>
+          </a:xfrm>
+          <a:prstGeom prst="bentConnector4">
             <a:avLst>
-              <a:gd name="adj1" fmla="val -20640000"/>
+              <a:gd name="adj1" fmla="val -298888"/>
+              <a:gd name="adj2" fmla="val 104737"/>
             </a:avLst>
           </a:prstGeom>
           <a:ln>
@@ -5112,13 +5043,13 @@
         </p:nvCxnSpPr>
         <p:spPr>
           <a:xfrm rot="16200000" flipH="1">
-            <a:off x="3219450" y="1588770"/>
-            <a:ext cx="598170" cy="3042920"/>
+            <a:off x="3042920" y="1765300"/>
+            <a:ext cx="951230" cy="3042920"/>
           </a:xfrm>
           <a:prstGeom prst="bentConnector4">
             <a:avLst>
-              <a:gd name="adj1" fmla="val -42569"/>
-              <a:gd name="adj2" fmla="val 83597"/>
+              <a:gd name="adj1" fmla="val -25033"/>
+              <a:gd name="adj2" fmla="val 84307"/>
             </a:avLst>
           </a:prstGeom>
           <a:ln>
@@ -5140,6 +5071,477 @@
           </a:fontRef>
         </p:style>
       </p:cxnSp>
+      <p:sp>
+        <p:nvSpPr>
+          <p:cNvPr id="7" name="矩形 6"/>
+          <p:cNvSpPr/>
+          <p:nvPr>
+            <p:custDataLst>
+              <p:tags r:id="rId13"/>
+            </p:custDataLst>
+          </p:nvPr>
+        </p:nvSpPr>
+        <p:spPr>
+          <a:xfrm>
+            <a:off x="5039995" y="2069465"/>
+            <a:ext cx="564515" cy="254635"/>
+          </a:xfrm>
+          <a:prstGeom prst="rect">
+            <a:avLst/>
+          </a:prstGeom>
+        </p:spPr>
+        <p:style>
+          <a:lnRef idx="1">
+            <a:schemeClr val="accent2"/>
+          </a:lnRef>
+          <a:fillRef idx="2">
+            <a:schemeClr val="accent2"/>
+          </a:fillRef>
+          <a:effectRef idx="1">
+            <a:schemeClr val="accent2"/>
+          </a:effectRef>
+          <a:fontRef idx="minor">
+            <a:schemeClr val="dk1"/>
+          </a:fontRef>
+        </p:style>
+        <p:txBody>
+          <a:bodyPr rtlCol="0" anchor="ctr"/>
+          <a:p>
+            <a:pPr algn="ctr"/>
+            <a:r>
+              <a:rPr lang="en-US" altLang="zh-CN" sz="1000"/>
+              <a:t>5</a:t>
+            </a:r>
+            <a:r>
+              <a:rPr lang="zh-CN" altLang="en-US" sz="1000"/>
+              <a:t>分钟</a:t>
+            </a:r>
+            <a:endParaRPr lang="zh-CN" altLang="en-US" sz="1000"/>
+          </a:p>
+        </p:txBody>
+      </p:sp>
+      <p:cxnSp>
+        <p:nvCxnSpPr>
+          <p:cNvPr id="11" name="直接箭头连接符 10"/>
+          <p:cNvCxnSpPr>
+            <a:stCxn id="18" idx="3"/>
+            <a:endCxn id="36" idx="1"/>
+          </p:cNvCxnSpPr>
+          <p:nvPr/>
+        </p:nvCxnSpPr>
+        <p:spPr>
+          <a:xfrm flipV="1">
+            <a:off x="5604510" y="3761740"/>
+            <a:ext cx="1713865" cy="635"/>
+          </a:xfrm>
+          <a:prstGeom prst="straightConnector1">
+            <a:avLst/>
+          </a:prstGeom>
+          <a:ln>
+            <a:tailEnd type="arrow"/>
+          </a:ln>
+        </p:spPr>
+        <p:style>
+          <a:lnRef idx="1">
+            <a:schemeClr val="accent1"/>
+          </a:lnRef>
+          <a:fillRef idx="0">
+            <a:schemeClr val="accent1"/>
+          </a:fillRef>
+          <a:effectRef idx="0">
+            <a:schemeClr val="accent1"/>
+          </a:effectRef>
+          <a:fontRef idx="minor">
+            <a:schemeClr val="tx1"/>
+          </a:fontRef>
+        </p:style>
+      </p:cxnSp>
+      <p:sp>
+        <p:nvSpPr>
+          <p:cNvPr id="16" name="文本框 15"/>
+          <p:cNvSpPr txBox="1"/>
+          <p:nvPr>
+            <p:custDataLst>
+              <p:tags r:id="rId14"/>
+            </p:custDataLst>
+          </p:nvPr>
+        </p:nvSpPr>
+        <p:spPr>
+          <a:xfrm>
+            <a:off x="6249035" y="1742440"/>
+            <a:ext cx="2608580" cy="398780"/>
+          </a:xfrm>
+          <a:prstGeom prst="rect">
+            <a:avLst/>
+          </a:prstGeom>
+          <a:noFill/>
+        </p:spPr>
+        <p:txBody>
+          <a:bodyPr wrap="square" rtlCol="0">
+            <a:spAutoFit/>
+          </a:bodyPr>
+          <a:p>
+            <a:r>
+              <a:rPr lang="zh-CN" altLang="en-US" sz="1000">
+                <a:solidFill>
+                  <a:srgbClr val="FF0000"/>
+                </a:solidFill>
+              </a:rPr>
+              <a:t>操作热数据迁移的</a:t>
+            </a:r>
+            <a:r>
+              <a:rPr lang="en-US" altLang="zh-CN" sz="1000">
+                <a:solidFill>
+                  <a:srgbClr val="FF0000"/>
+                </a:solidFill>
+              </a:rPr>
+              <a:t>5</a:t>
+            </a:r>
+            <a:r>
+              <a:rPr lang="zh-CN" altLang="en-US" sz="1000">
+                <a:solidFill>
+                  <a:srgbClr val="FF0000"/>
+                </a:solidFill>
+              </a:rPr>
+              <a:t>分钟内的写数据，将</a:t>
+            </a:r>
+            <a:r>
+              <a:rPr lang="en-US" altLang="zh-CN" sz="1000">
+                <a:solidFill>
+                  <a:srgbClr val="FF0000"/>
+                </a:solidFill>
+              </a:rPr>
+              <a:t>binlog</a:t>
+            </a:r>
+            <a:r>
+              <a:rPr lang="zh-CN" altLang="en-US" sz="1000">
+                <a:solidFill>
+                  <a:srgbClr val="FF0000"/>
+                </a:solidFill>
+              </a:rPr>
+              <a:t>日志同步到新的表</a:t>
+            </a:r>
+            <a:endParaRPr lang="zh-CN" altLang="en-US" sz="1000">
+              <a:solidFill>
+                <a:srgbClr val="FF0000"/>
+              </a:solidFill>
+            </a:endParaRPr>
+          </a:p>
+        </p:txBody>
+      </p:sp>
+      <p:cxnSp>
+        <p:nvCxnSpPr>
+          <p:cNvPr id="17" name="肘形连接符 16"/>
+          <p:cNvCxnSpPr>
+            <a:stCxn id="7" idx="3"/>
+            <a:endCxn id="16" idx="1"/>
+          </p:cNvCxnSpPr>
+          <p:nvPr/>
+        </p:nvCxnSpPr>
+        <p:spPr>
+          <a:xfrm flipV="1">
+            <a:off x="5604510" y="1941830"/>
+            <a:ext cx="644525" cy="255270"/>
+          </a:xfrm>
+          <a:prstGeom prst="bentConnector3">
+            <a:avLst>
+              <a:gd name="adj1" fmla="val 50049"/>
+            </a:avLst>
+          </a:prstGeom>
+          <a:ln>
+            <a:headEnd type="arrow"/>
+            <a:tailEnd type="arrow"/>
+          </a:ln>
+        </p:spPr>
+        <p:style>
+          <a:lnRef idx="1">
+            <a:schemeClr val="accent1"/>
+          </a:lnRef>
+          <a:fillRef idx="0">
+            <a:schemeClr val="accent1"/>
+          </a:fillRef>
+          <a:effectRef idx="0">
+            <a:schemeClr val="accent1"/>
+          </a:effectRef>
+          <a:fontRef idx="minor">
+            <a:schemeClr val="tx1"/>
+          </a:fontRef>
+        </p:style>
+      </p:cxnSp>
+      <p:sp>
+        <p:nvSpPr>
+          <p:cNvPr id="8" name="椭圆 7"/>
+          <p:cNvSpPr/>
+          <p:nvPr/>
+        </p:nvSpPr>
+        <p:spPr>
+          <a:xfrm>
+            <a:off x="5575935" y="3458210"/>
+            <a:ext cx="282575" cy="303530"/>
+          </a:xfrm>
+          <a:prstGeom prst="ellipse">
+            <a:avLst/>
+          </a:prstGeom>
+        </p:spPr>
+        <p:style>
+          <a:lnRef idx="1">
+            <a:schemeClr val="accent4"/>
+          </a:lnRef>
+          <a:fillRef idx="2">
+            <a:schemeClr val="accent4"/>
+          </a:fillRef>
+          <a:effectRef idx="1">
+            <a:schemeClr val="accent4"/>
+          </a:effectRef>
+          <a:fontRef idx="minor">
+            <a:schemeClr val="dk1"/>
+          </a:fontRef>
+        </p:style>
+        <p:txBody>
+          <a:bodyPr rtlCol="0" anchor="ctr"/>
+          <a:p>
+            <a:pPr algn="ctr"/>
+            <a:r>
+              <a:rPr lang="en-US" altLang="zh-CN"/>
+              <a:t>1</a:t>
+            </a:r>
+            <a:endParaRPr lang="en-US" altLang="zh-CN"/>
+          </a:p>
+        </p:txBody>
+      </p:sp>
+      <p:sp>
+        <p:nvSpPr>
+          <p:cNvPr id="12" name="椭圆 11"/>
+          <p:cNvSpPr/>
+          <p:nvPr>
+            <p:custDataLst>
+              <p:tags r:id="rId15"/>
+            </p:custDataLst>
+          </p:nvPr>
+        </p:nvSpPr>
+        <p:spPr>
+          <a:xfrm>
+            <a:off x="6367145" y="2235835"/>
+            <a:ext cx="282575" cy="303530"/>
+          </a:xfrm>
+          <a:prstGeom prst="ellipse">
+            <a:avLst/>
+          </a:prstGeom>
+        </p:spPr>
+        <p:style>
+          <a:lnRef idx="1">
+            <a:schemeClr val="accent4"/>
+          </a:lnRef>
+          <a:fillRef idx="2">
+            <a:schemeClr val="accent4"/>
+          </a:fillRef>
+          <a:effectRef idx="1">
+            <a:schemeClr val="accent4"/>
+          </a:effectRef>
+          <a:fontRef idx="minor">
+            <a:schemeClr val="dk1"/>
+          </a:fontRef>
+        </p:style>
+        <p:txBody>
+          <a:bodyPr rtlCol="0" anchor="ctr"/>
+          <a:p>
+            <a:pPr algn="ctr"/>
+            <a:r>
+              <a:rPr lang="en-US" altLang="zh-CN"/>
+              <a:t>2</a:t>
+            </a:r>
+            <a:endParaRPr lang="en-US" altLang="zh-CN"/>
+          </a:p>
+        </p:txBody>
+      </p:sp>
+      <p:sp>
+        <p:nvSpPr>
+          <p:cNvPr id="15" name="椭圆 14"/>
+          <p:cNvSpPr/>
+          <p:nvPr>
+            <p:custDataLst>
+              <p:tags r:id="rId16"/>
+            </p:custDataLst>
+          </p:nvPr>
+        </p:nvSpPr>
+        <p:spPr>
+          <a:xfrm>
+            <a:off x="8537575" y="1162685"/>
+            <a:ext cx="282575" cy="303530"/>
+          </a:xfrm>
+          <a:prstGeom prst="ellipse">
+            <a:avLst/>
+          </a:prstGeom>
+        </p:spPr>
+        <p:style>
+          <a:lnRef idx="1">
+            <a:schemeClr val="accent4"/>
+          </a:lnRef>
+          <a:fillRef idx="2">
+            <a:schemeClr val="accent4"/>
+          </a:fillRef>
+          <a:effectRef idx="1">
+            <a:schemeClr val="accent4"/>
+          </a:effectRef>
+          <a:fontRef idx="minor">
+            <a:schemeClr val="dk1"/>
+          </a:fontRef>
+        </p:style>
+        <p:txBody>
+          <a:bodyPr rtlCol="0" anchor="ctr"/>
+          <a:p>
+            <a:pPr algn="ctr"/>
+            <a:r>
+              <a:rPr lang="en-US" altLang="zh-CN"/>
+              <a:t>3</a:t>
+            </a:r>
+            <a:endParaRPr lang="en-US" altLang="zh-CN"/>
+          </a:p>
+        </p:txBody>
+      </p:sp>
+      <p:sp>
+        <p:nvSpPr>
+          <p:cNvPr id="21" name="椭圆 20"/>
+          <p:cNvSpPr/>
+          <p:nvPr>
+            <p:custDataLst>
+              <p:tags r:id="rId17"/>
+            </p:custDataLst>
+          </p:nvPr>
+        </p:nvSpPr>
+        <p:spPr>
+          <a:xfrm>
+            <a:off x="8537575" y="1696720"/>
+            <a:ext cx="282575" cy="303530"/>
+          </a:xfrm>
+          <a:prstGeom prst="ellipse">
+            <a:avLst/>
+          </a:prstGeom>
+        </p:spPr>
+        <p:style>
+          <a:lnRef idx="1">
+            <a:schemeClr val="accent4"/>
+          </a:lnRef>
+          <a:fillRef idx="2">
+            <a:schemeClr val="accent4"/>
+          </a:fillRef>
+          <a:effectRef idx="1">
+            <a:schemeClr val="accent4"/>
+          </a:effectRef>
+          <a:fontRef idx="minor">
+            <a:schemeClr val="dk1"/>
+          </a:fontRef>
+        </p:style>
+        <p:txBody>
+          <a:bodyPr rtlCol="0" anchor="ctr"/>
+          <a:p>
+            <a:pPr algn="ctr"/>
+            <a:r>
+              <a:rPr lang="en-US" altLang="zh-CN"/>
+              <a:t>4</a:t>
+            </a:r>
+            <a:endParaRPr lang="en-US" altLang="zh-CN"/>
+          </a:p>
+        </p:txBody>
+      </p:sp>
+      <p:sp>
+        <p:nvSpPr>
+          <p:cNvPr id="22" name="文本框 21"/>
+          <p:cNvSpPr txBox="1"/>
+          <p:nvPr>
+            <p:custDataLst>
+              <p:tags r:id="rId18"/>
+            </p:custDataLst>
+          </p:nvPr>
+        </p:nvSpPr>
+        <p:spPr>
+          <a:xfrm>
+            <a:off x="3759200" y="5200015"/>
+            <a:ext cx="3690620" cy="275590"/>
+          </a:xfrm>
+          <a:prstGeom prst="rect">
+            <a:avLst/>
+          </a:prstGeom>
+          <a:noFill/>
+        </p:spPr>
+        <p:txBody>
+          <a:bodyPr wrap="square" rtlCol="0">
+            <a:spAutoFit/>
+          </a:bodyPr>
+          <a:p>
+            <a:r>
+              <a:rPr lang="en-US" altLang="zh-CN" sz="1200">
+                <a:solidFill>
+                  <a:srgbClr val="FF0000"/>
+                </a:solidFill>
+              </a:rPr>
+              <a:t>mysql </a:t>
+            </a:r>
+            <a:r>
+              <a:rPr lang="zh-CN" altLang="en-US" sz="1200">
+                <a:solidFill>
+                  <a:srgbClr val="FF0000"/>
+                </a:solidFill>
+              </a:rPr>
+              <a:t>实现不停机迁移大表的数据到各个小的子表</a:t>
+            </a:r>
+            <a:endParaRPr lang="zh-CN" altLang="en-US" sz="1200">
+              <a:solidFill>
+                <a:srgbClr val="FF0000"/>
+              </a:solidFill>
+            </a:endParaRPr>
+          </a:p>
+        </p:txBody>
+      </p:sp>
+      <p:sp>
+        <p:nvSpPr>
+          <p:cNvPr id="24" name="文本框 23"/>
+          <p:cNvSpPr txBox="1"/>
+          <p:nvPr>
+            <p:custDataLst>
+              <p:tags r:id="rId19"/>
+            </p:custDataLst>
+          </p:nvPr>
+        </p:nvSpPr>
+        <p:spPr>
+          <a:xfrm>
+            <a:off x="5678170" y="4066540"/>
+            <a:ext cx="2167255" cy="248920"/>
+          </a:xfrm>
+          <a:prstGeom prst="rect">
+            <a:avLst/>
+          </a:prstGeom>
+          <a:noFill/>
+        </p:spPr>
+        <p:txBody>
+          <a:bodyPr wrap="square" rtlCol="0">
+            <a:noAutofit/>
+          </a:bodyPr>
+          <a:p>
+            <a:r>
+              <a:rPr lang="en-US" altLang="zh-CN" sz="900">
+                <a:solidFill>
+                  <a:srgbClr val="FF0000"/>
+                </a:solidFill>
+              </a:rPr>
+              <a:t>dump</a:t>
+            </a:r>
+            <a:r>
+              <a:rPr lang="zh-CN" altLang="en-US" sz="900">
+                <a:solidFill>
+                  <a:srgbClr val="FF0000"/>
+                </a:solidFill>
+              </a:rPr>
+              <a:t>默认会锁表，需要加参数解除</a:t>
+            </a:r>
+            <a:endParaRPr lang="zh-CN" altLang="en-US" sz="900">
+              <a:solidFill>
+                <a:srgbClr val="FF0000"/>
+              </a:solidFill>
+            </a:endParaRPr>
+          </a:p>
+        </p:txBody>
+      </p:sp>
     </p:spTree>
   </p:cSld>
   <p:clrMapOvr>
@@ -5264,14 +5666,56 @@
 
 <file path=ppt/tags/tag27.xml><?xml version="1.0" encoding="utf-8"?>
 <p:tagLst xmlns:p="http://schemas.openxmlformats.org/presentationml/2006/main">
-  <p:tag name="COMMONDATA" val="eyJoZGlkIjoiNzUxOTVkN2ZmMjVjM2EzNTY4MWNhM2I2OGZkMjAyOTMifQ=="/>
-  <p:tag name="KSO_WPP_MARK_KEY" val="6c615dd7-894b-4d6a-b658-45c2f8cb1fc5"/>
+  <p:tag name="KSO_WM_BEAUTIFY_FLAG" val=""/>
+</p:tagLst>
+</file>
+
+<file path=ppt/tags/tag28.xml><?xml version="1.0" encoding="utf-8"?>
+<p:tagLst xmlns:p="http://schemas.openxmlformats.org/presentationml/2006/main">
+  <p:tag name="KSO_WM_BEAUTIFY_FLAG" val=""/>
+</p:tagLst>
+</file>
+
+<file path=ppt/tags/tag29.xml><?xml version="1.0" encoding="utf-8"?>
+<p:tagLst xmlns:p="http://schemas.openxmlformats.org/presentationml/2006/main">
+  <p:tag name="KSO_WM_BEAUTIFY_FLAG" val=""/>
 </p:tagLst>
 </file>
 
 <file path=ppt/tags/tag3.xml><?xml version="1.0" encoding="utf-8"?>
 <p:tagLst xmlns:p="http://schemas.openxmlformats.org/presentationml/2006/main">
   <p:tag name="KSO_WM_BEAUTIFY_FLAG" val=""/>
+</p:tagLst>
+</file>
+
+<file path=ppt/tags/tag30.xml><?xml version="1.0" encoding="utf-8"?>
+<p:tagLst xmlns:p="http://schemas.openxmlformats.org/presentationml/2006/main">
+  <p:tag name="KSO_WM_BEAUTIFY_FLAG" val=""/>
+</p:tagLst>
+</file>
+
+<file path=ppt/tags/tag31.xml><?xml version="1.0" encoding="utf-8"?>
+<p:tagLst xmlns:p="http://schemas.openxmlformats.org/presentationml/2006/main">
+  <p:tag name="KSO_WM_BEAUTIFY_FLAG" val=""/>
+</p:tagLst>
+</file>
+
+<file path=ppt/tags/tag32.xml><?xml version="1.0" encoding="utf-8"?>
+<p:tagLst xmlns:p="http://schemas.openxmlformats.org/presentationml/2006/main">
+  <p:tag name="KSO_WM_BEAUTIFY_FLAG" val=""/>
+</p:tagLst>
+</file>
+
+<file path=ppt/tags/tag33.xml><?xml version="1.0" encoding="utf-8"?>
+<p:tagLst xmlns:p="http://schemas.openxmlformats.org/presentationml/2006/main">
+  <p:tag name="KSO_WM_BEAUTIFY_FLAG" val=""/>
+</p:tagLst>
+</file>
+
+<file path=ppt/tags/tag34.xml><?xml version="1.0" encoding="utf-8"?>
+<p:tagLst xmlns:p="http://schemas.openxmlformats.org/presentationml/2006/main">
+  <p:tag name="COMMONDATA" val="eyJoZGlkIjoiNzUxOTVkN2ZmMjVjM2EzNTY4MWNhM2I2OGZkMjAyOTMifQ=="/>
+  <p:tag name="KSO_WPP_MARK_KEY" val="6c615dd7-894b-4d6a-b658-45c2f8cb1fc5"/>
 </p:tagLst>
 </file>
 
